--- a/design.pptx
+++ b/design.pptx
@@ -3352,7 +3352,7 @@
         <p:spPr>
           <a:xfrm>
             <a:off x="5488598" y="2340114"/>
-            <a:ext cx="3693640" cy="707886"/>
+            <a:ext cx="4801314" cy="707886"/>
           </a:xfrm>
           <a:prstGeom prst="rect">
             <a:avLst/>
@@ -3366,7 +3366,7 @@
           <a:lstStyle/>
           <a:p>
             <a:r>
-              <a:rPr lang="en-US" altLang="zh-CN" sz="4000" dirty="0" err="1">
+              <a:rPr lang="zh-CN" altLang="en-US" sz="4000" dirty="0">
                 <a:solidFill>
                   <a:schemeClr val="bg1"/>
                 </a:solidFill>
@@ -3374,36 +3374,17 @@
                 <a:ea typeface="经典综艺体简" panose="02010609000101010101" pitchFamily="49" charset="-122"/>
                 <a:cs typeface="经典综艺体简" panose="02010609000101010101" pitchFamily="49" charset="-122"/>
               </a:rPr>
-              <a:t>Doubi</a:t>
-            </a:r>
-            <a:r>
-              <a:rPr lang="en-US" altLang="zh-CN" sz="4000" dirty="0">
-                <a:solidFill>
-                  <a:schemeClr val="bg1"/>
-                </a:solidFill>
-                <a:latin typeface="经典综艺体简" panose="02010609000101010101" pitchFamily="49" charset="-122"/>
-                <a:ea typeface="经典综艺体简" panose="02010609000101010101" pitchFamily="49" charset="-122"/>
-                <a:cs typeface="经典综艺体简" panose="02010609000101010101" pitchFamily="49" charset="-122"/>
-              </a:rPr>
-              <a:t> Audio</a:t>
-            </a:r>
-            <a:endParaRPr lang="zh-CN" altLang="en-US" sz="4000" dirty="0">
-              <a:solidFill>
-                <a:schemeClr val="bg1"/>
-              </a:solidFill>
-              <a:latin typeface="经典综艺体简" panose="02010609000101010101" pitchFamily="49" charset="-122"/>
-              <a:ea typeface="经典综艺体简" panose="02010609000101010101" pitchFamily="49" charset="-122"/>
-              <a:cs typeface="经典综艺体简" panose="02010609000101010101" pitchFamily="49" charset="-122"/>
-            </a:endParaRPr>
-          </a:p>
-        </p:txBody>
-      </p:sp>
-      <p:sp>
-        <p:nvSpPr>
-          <p:cNvPr id="5" name="矩形: 剪去对角 4">
-            <a:extLst>
-              <a:ext uri="{FF2B5EF4-FFF2-40B4-BE49-F238E27FC236}">
-                <a16:creationId xmlns:a16="http://schemas.microsoft.com/office/drawing/2014/main" id="{CF0D2C34-9F48-4D99-9C98-07B01AA5CFAA}"/>
+              <a:t>耳机虚拟环绕声技术</a:t>
+            </a:r>
+          </a:p>
+        </p:txBody>
+      </p:sp>
+      <p:sp>
+        <p:nvSpPr>
+          <p:cNvPr id="33" name="任意多边形: 形状 32">
+            <a:extLst>
+              <a:ext uri="{FF2B5EF4-FFF2-40B4-BE49-F238E27FC236}">
+                <a16:creationId xmlns:a16="http://schemas.microsoft.com/office/drawing/2014/main" id="{01A68681-D0CF-46EF-994E-15D9C3BA9107}"/>
               </a:ext>
             </a:extLst>
           </p:cNvPr>
@@ -3415,12 +3396,391 @@
             <a:off x="4231298" y="2419350"/>
             <a:ext cx="1257300" cy="742950"/>
           </a:xfrm>
-          <a:prstGeom prst="snip2DiagRect">
-            <a:avLst>
-              <a:gd name="adj1" fmla="val 17949"/>
-              <a:gd name="adj2" fmla="val 0"/>
-            </a:avLst>
-          </a:prstGeom>
+          <a:custGeom>
+            <a:avLst/>
+            <a:gdLst>
+              <a:gd name="connsiteX0" fmla="*/ 988964 w 1257300"/>
+              <a:gd name="connsiteY0" fmla="*/ 161925 h 742950"/>
+              <a:gd name="connsiteX1" fmla="*/ 988964 w 1257300"/>
+              <a:gd name="connsiteY1" fmla="*/ 402401 h 742950"/>
+              <a:gd name="connsiteX2" fmla="*/ 938408 w 1257300"/>
+              <a:gd name="connsiteY2" fmla="*/ 402401 h 742950"/>
+              <a:gd name="connsiteX3" fmla="*/ 1039520 w 1257300"/>
+              <a:gd name="connsiteY3" fmla="*/ 570187 h 742950"/>
+              <a:gd name="connsiteX4" fmla="*/ 1140631 w 1257300"/>
+              <a:gd name="connsiteY4" fmla="*/ 402401 h 742950"/>
+              <a:gd name="connsiteX5" fmla="*/ 1090075 w 1257300"/>
+              <a:gd name="connsiteY5" fmla="*/ 402401 h 742950"/>
+              <a:gd name="connsiteX6" fmla="*/ 1090075 w 1257300"/>
+              <a:gd name="connsiteY6" fmla="*/ 161925 h 742950"/>
+              <a:gd name="connsiteX7" fmla="*/ 766469 w 1257300"/>
+              <a:gd name="connsiteY7" fmla="*/ 161925 h 742950"/>
+              <a:gd name="connsiteX8" fmla="*/ 665358 w 1257300"/>
+              <a:gd name="connsiteY8" fmla="*/ 329711 h 742950"/>
+              <a:gd name="connsiteX9" fmla="*/ 715914 w 1257300"/>
+              <a:gd name="connsiteY9" fmla="*/ 329711 h 742950"/>
+              <a:gd name="connsiteX10" fmla="*/ 715914 w 1257300"/>
+              <a:gd name="connsiteY10" fmla="*/ 570187 h 742950"/>
+              <a:gd name="connsiteX11" fmla="*/ 817025 w 1257300"/>
+              <a:gd name="connsiteY11" fmla="*/ 570187 h 742950"/>
+              <a:gd name="connsiteX12" fmla="*/ 817025 w 1257300"/>
+              <a:gd name="connsiteY12" fmla="*/ 329711 h 742950"/>
+              <a:gd name="connsiteX13" fmla="*/ 867581 w 1257300"/>
+              <a:gd name="connsiteY13" fmla="*/ 329711 h 742950"/>
+              <a:gd name="connsiteX14" fmla="*/ 359340 w 1257300"/>
+              <a:gd name="connsiteY14" fmla="*/ 149426 h 742950"/>
+              <a:gd name="connsiteX15" fmla="*/ 196625 w 1257300"/>
+              <a:gd name="connsiteY15" fmla="*/ 271541 h 742950"/>
+              <a:gd name="connsiteX16" fmla="*/ 173519 w 1257300"/>
+              <a:gd name="connsiteY16" fmla="*/ 349475 h 742950"/>
+              <a:gd name="connsiteX17" fmla="*/ 134262 w 1257300"/>
+              <a:gd name="connsiteY17" fmla="*/ 357373 h 742950"/>
+              <a:gd name="connsiteX18" fmla="*/ 66493 w 1257300"/>
+              <a:gd name="connsiteY18" fmla="*/ 458870 h 742950"/>
+              <a:gd name="connsiteX19" fmla="*/ 133178 w 1257300"/>
+              <a:gd name="connsiteY19" fmla="*/ 561082 h 742950"/>
+              <a:gd name="connsiteX20" fmla="*/ 169146 w 1257300"/>
+              <a:gd name="connsiteY20" fmla="*/ 568717 h 742950"/>
+              <a:gd name="connsiteX21" fmla="*/ 169146 w 1257300"/>
+              <a:gd name="connsiteY21" fmla="*/ 570187 h 742950"/>
+              <a:gd name="connsiteX22" fmla="*/ 243290 w 1257300"/>
+              <a:gd name="connsiteY22" fmla="*/ 570187 h 742950"/>
+              <a:gd name="connsiteX23" fmla="*/ 243290 w 1257300"/>
+              <a:gd name="connsiteY23" fmla="*/ 401830 h 742950"/>
+              <a:gd name="connsiteX24" fmla="*/ 245085 w 1257300"/>
+              <a:gd name="connsiteY24" fmla="*/ 401830 h 742950"/>
+              <a:gd name="connsiteX25" fmla="*/ 359932 w 1257300"/>
+              <a:gd name="connsiteY25" fmla="*/ 249418 h 742950"/>
+              <a:gd name="connsiteX26" fmla="*/ 476573 w 1257300"/>
+              <a:gd name="connsiteY26" fmla="*/ 399450 h 742950"/>
+              <a:gd name="connsiteX27" fmla="*/ 478383 w 1257300"/>
+              <a:gd name="connsiteY27" fmla="*/ 399413 h 742950"/>
+              <a:gd name="connsiteX28" fmla="*/ 478383 w 1257300"/>
+              <a:gd name="connsiteY28" fmla="*/ 570187 h 742950"/>
+              <a:gd name="connsiteX29" fmla="*/ 547765 w 1257300"/>
+              <a:gd name="connsiteY29" fmla="*/ 570187 h 742950"/>
+              <a:gd name="connsiteX30" fmla="*/ 552527 w 1257300"/>
+              <a:gd name="connsiteY30" fmla="*/ 570187 h 742950"/>
+              <a:gd name="connsiteX31" fmla="*/ 552527 w 1257300"/>
+              <a:gd name="connsiteY31" fmla="*/ 569229 h 742950"/>
+              <a:gd name="connsiteX32" fmla="*/ 590722 w 1257300"/>
+              <a:gd name="connsiteY32" fmla="*/ 561545 h 742950"/>
+              <a:gd name="connsiteX33" fmla="*/ 658491 w 1257300"/>
+              <a:gd name="connsiteY33" fmla="*/ 460048 h 742950"/>
+              <a:gd name="connsiteX34" fmla="*/ 548943 w 1257300"/>
+              <a:gd name="connsiteY34" fmla="*/ 348737 h 742950"/>
+              <a:gd name="connsiteX35" fmla="*/ 548860 w 1257300"/>
+              <a:gd name="connsiteY35" fmla="*/ 356554 h 742950"/>
+              <a:gd name="connsiteX36" fmla="*/ 548050 w 1257300"/>
+              <a:gd name="connsiteY36" fmla="*/ 347370 h 742950"/>
+              <a:gd name="connsiteX37" fmla="*/ 359340 w 1257300"/>
+              <a:gd name="connsiteY37" fmla="*/ 149426 h 742950"/>
+              <a:gd name="connsiteX38" fmla="*/ 133352 w 1257300"/>
+              <a:gd name="connsiteY38" fmla="*/ 0 h 742950"/>
+              <a:gd name="connsiteX39" fmla="*/ 1257300 w 1257300"/>
+              <a:gd name="connsiteY39" fmla="*/ 0 h 742950"/>
+              <a:gd name="connsiteX40" fmla="*/ 1257300 w 1257300"/>
+              <a:gd name="connsiteY40" fmla="*/ 609598 h 742950"/>
+              <a:gd name="connsiteX41" fmla="*/ 1123948 w 1257300"/>
+              <a:gd name="connsiteY41" fmla="*/ 742950 h 742950"/>
+              <a:gd name="connsiteX42" fmla="*/ 0 w 1257300"/>
+              <a:gd name="connsiteY42" fmla="*/ 742950 h 742950"/>
+              <a:gd name="connsiteX43" fmla="*/ 0 w 1257300"/>
+              <a:gd name="connsiteY43" fmla="*/ 133352 h 742950"/>
+            </a:gdLst>
+            <a:ahLst/>
+            <a:cxnLst>
+              <a:cxn ang="0">
+                <a:pos x="connsiteX0" y="connsiteY0"/>
+              </a:cxn>
+              <a:cxn ang="0">
+                <a:pos x="connsiteX1" y="connsiteY1"/>
+              </a:cxn>
+              <a:cxn ang="0">
+                <a:pos x="connsiteX2" y="connsiteY2"/>
+              </a:cxn>
+              <a:cxn ang="0">
+                <a:pos x="connsiteX3" y="connsiteY3"/>
+              </a:cxn>
+              <a:cxn ang="0">
+                <a:pos x="connsiteX4" y="connsiteY4"/>
+              </a:cxn>
+              <a:cxn ang="0">
+                <a:pos x="connsiteX5" y="connsiteY5"/>
+              </a:cxn>
+              <a:cxn ang="0">
+                <a:pos x="connsiteX6" y="connsiteY6"/>
+              </a:cxn>
+              <a:cxn ang="0">
+                <a:pos x="connsiteX7" y="connsiteY7"/>
+              </a:cxn>
+              <a:cxn ang="0">
+                <a:pos x="connsiteX8" y="connsiteY8"/>
+              </a:cxn>
+              <a:cxn ang="0">
+                <a:pos x="connsiteX9" y="connsiteY9"/>
+              </a:cxn>
+              <a:cxn ang="0">
+                <a:pos x="connsiteX10" y="connsiteY10"/>
+              </a:cxn>
+              <a:cxn ang="0">
+                <a:pos x="connsiteX11" y="connsiteY11"/>
+              </a:cxn>
+              <a:cxn ang="0">
+                <a:pos x="connsiteX12" y="connsiteY12"/>
+              </a:cxn>
+              <a:cxn ang="0">
+                <a:pos x="connsiteX13" y="connsiteY13"/>
+              </a:cxn>
+              <a:cxn ang="0">
+                <a:pos x="connsiteX14" y="connsiteY14"/>
+              </a:cxn>
+              <a:cxn ang="0">
+                <a:pos x="connsiteX15" y="connsiteY15"/>
+              </a:cxn>
+              <a:cxn ang="0">
+                <a:pos x="connsiteX16" y="connsiteY16"/>
+              </a:cxn>
+              <a:cxn ang="0">
+                <a:pos x="connsiteX17" y="connsiteY17"/>
+              </a:cxn>
+              <a:cxn ang="0">
+                <a:pos x="connsiteX18" y="connsiteY18"/>
+              </a:cxn>
+              <a:cxn ang="0">
+                <a:pos x="connsiteX19" y="connsiteY19"/>
+              </a:cxn>
+              <a:cxn ang="0">
+                <a:pos x="connsiteX20" y="connsiteY20"/>
+              </a:cxn>
+              <a:cxn ang="0">
+                <a:pos x="connsiteX21" y="connsiteY21"/>
+              </a:cxn>
+              <a:cxn ang="0">
+                <a:pos x="connsiteX22" y="connsiteY22"/>
+              </a:cxn>
+              <a:cxn ang="0">
+                <a:pos x="connsiteX23" y="connsiteY23"/>
+              </a:cxn>
+              <a:cxn ang="0">
+                <a:pos x="connsiteX24" y="connsiteY24"/>
+              </a:cxn>
+              <a:cxn ang="0">
+                <a:pos x="connsiteX25" y="connsiteY25"/>
+              </a:cxn>
+              <a:cxn ang="0">
+                <a:pos x="connsiteX26" y="connsiteY26"/>
+              </a:cxn>
+              <a:cxn ang="0">
+                <a:pos x="connsiteX27" y="connsiteY27"/>
+              </a:cxn>
+              <a:cxn ang="0">
+                <a:pos x="connsiteX28" y="connsiteY28"/>
+              </a:cxn>
+              <a:cxn ang="0">
+                <a:pos x="connsiteX29" y="connsiteY29"/>
+              </a:cxn>
+              <a:cxn ang="0">
+                <a:pos x="connsiteX30" y="connsiteY30"/>
+              </a:cxn>
+              <a:cxn ang="0">
+                <a:pos x="connsiteX31" y="connsiteY31"/>
+              </a:cxn>
+              <a:cxn ang="0">
+                <a:pos x="connsiteX32" y="connsiteY32"/>
+              </a:cxn>
+              <a:cxn ang="0">
+                <a:pos x="connsiteX33" y="connsiteY33"/>
+              </a:cxn>
+              <a:cxn ang="0">
+                <a:pos x="connsiteX34" y="connsiteY34"/>
+              </a:cxn>
+              <a:cxn ang="0">
+                <a:pos x="connsiteX35" y="connsiteY35"/>
+              </a:cxn>
+              <a:cxn ang="0">
+                <a:pos x="connsiteX36" y="connsiteY36"/>
+              </a:cxn>
+              <a:cxn ang="0">
+                <a:pos x="connsiteX37" y="connsiteY37"/>
+              </a:cxn>
+              <a:cxn ang="0">
+                <a:pos x="connsiteX38" y="connsiteY38"/>
+              </a:cxn>
+              <a:cxn ang="0">
+                <a:pos x="connsiteX39" y="connsiteY39"/>
+              </a:cxn>
+              <a:cxn ang="0">
+                <a:pos x="connsiteX40" y="connsiteY40"/>
+              </a:cxn>
+              <a:cxn ang="0">
+                <a:pos x="connsiteX41" y="connsiteY41"/>
+              </a:cxn>
+              <a:cxn ang="0">
+                <a:pos x="connsiteX42" y="connsiteY42"/>
+              </a:cxn>
+              <a:cxn ang="0">
+                <a:pos x="connsiteX43" y="connsiteY43"/>
+              </a:cxn>
+            </a:cxnLst>
+            <a:rect l="l" t="t" r="r" b="b"/>
+            <a:pathLst>
+              <a:path w="1257300" h="742950">
+                <a:moveTo>
+                  <a:pt x="988964" y="161925"/>
+                </a:moveTo>
+                <a:lnTo>
+                  <a:pt x="988964" y="402401"/>
+                </a:lnTo>
+                <a:lnTo>
+                  <a:pt x="938408" y="402401"/>
+                </a:lnTo>
+                <a:lnTo>
+                  <a:pt x="1039520" y="570187"/>
+                </a:lnTo>
+                <a:lnTo>
+                  <a:pt x="1140631" y="402401"/>
+                </a:lnTo>
+                <a:lnTo>
+                  <a:pt x="1090075" y="402401"/>
+                </a:lnTo>
+                <a:lnTo>
+                  <a:pt x="1090075" y="161925"/>
+                </a:lnTo>
+                <a:close/>
+                <a:moveTo>
+                  <a:pt x="766469" y="161925"/>
+                </a:moveTo>
+                <a:lnTo>
+                  <a:pt x="665358" y="329711"/>
+                </a:lnTo>
+                <a:lnTo>
+                  <a:pt x="715914" y="329711"/>
+                </a:lnTo>
+                <a:lnTo>
+                  <a:pt x="715914" y="570187"/>
+                </a:lnTo>
+                <a:lnTo>
+                  <a:pt x="817025" y="570187"/>
+                </a:lnTo>
+                <a:lnTo>
+                  <a:pt x="817025" y="329711"/>
+                </a:lnTo>
+                <a:lnTo>
+                  <a:pt x="867581" y="329711"/>
+                </a:lnTo>
+                <a:close/>
+                <a:moveTo>
+                  <a:pt x="359340" y="149426"/>
+                </a:moveTo>
+                <a:cubicBezTo>
+                  <a:pt x="290249" y="150136"/>
+                  <a:pt x="229931" y="198911"/>
+                  <a:pt x="196625" y="271541"/>
+                </a:cubicBezTo>
+                <a:lnTo>
+                  <a:pt x="173519" y="349475"/>
+                </a:lnTo>
+                <a:lnTo>
+                  <a:pt x="134262" y="357373"/>
+                </a:lnTo>
+                <a:cubicBezTo>
+                  <a:pt x="94629" y="374071"/>
+                  <a:pt x="66736" y="413178"/>
+                  <a:pt x="66493" y="458870"/>
+                </a:cubicBezTo>
+                <a:cubicBezTo>
+                  <a:pt x="66250" y="504562"/>
+                  <a:pt x="93725" y="543964"/>
+                  <a:pt x="133178" y="561082"/>
+                </a:cubicBezTo>
+                <a:lnTo>
+                  <a:pt x="169146" y="568717"/>
+                </a:lnTo>
+                <a:lnTo>
+                  <a:pt x="169146" y="570187"/>
+                </a:lnTo>
+                <a:lnTo>
+                  <a:pt x="243290" y="570187"/>
+                </a:lnTo>
+                <a:lnTo>
+                  <a:pt x="243290" y="401830"/>
+                </a:lnTo>
+                <a:lnTo>
+                  <a:pt x="245085" y="401830"/>
+                </a:lnTo>
+                <a:cubicBezTo>
+                  <a:pt x="245085" y="318117"/>
+                  <a:pt x="296359" y="250072"/>
+                  <a:pt x="359932" y="249418"/>
+                </a:cubicBezTo>
+                <a:cubicBezTo>
+                  <a:pt x="423505" y="248764"/>
+                  <a:pt x="475580" y="315747"/>
+                  <a:pt x="476573" y="399450"/>
+                </a:cubicBezTo>
+                <a:lnTo>
+                  <a:pt x="478383" y="399413"/>
+                </a:lnTo>
+                <a:lnTo>
+                  <a:pt x="478383" y="570187"/>
+                </a:lnTo>
+                <a:lnTo>
+                  <a:pt x="547765" y="570187"/>
+                </a:lnTo>
+                <a:lnTo>
+                  <a:pt x="552527" y="570187"/>
+                </a:lnTo>
+                <a:lnTo>
+                  <a:pt x="552527" y="569229"/>
+                </a:lnTo>
+                <a:lnTo>
+                  <a:pt x="590722" y="561545"/>
+                </a:lnTo>
+                <a:cubicBezTo>
+                  <a:pt x="630355" y="544847"/>
+                  <a:pt x="658248" y="505740"/>
+                  <a:pt x="658491" y="460048"/>
+                </a:cubicBezTo>
+                <a:cubicBezTo>
+                  <a:pt x="658815" y="399125"/>
+                  <a:pt x="609863" y="349385"/>
+                  <a:pt x="548943" y="348737"/>
+                </a:cubicBezTo>
+                <a:lnTo>
+                  <a:pt x="548860" y="356554"/>
+                </a:lnTo>
+                <a:lnTo>
+                  <a:pt x="548050" y="347370"/>
+                </a:lnTo>
+                <a:cubicBezTo>
+                  <a:pt x="529003" y="233289"/>
+                  <a:pt x="451460" y="148478"/>
+                  <a:pt x="359340" y="149426"/>
+                </a:cubicBezTo>
+                <a:close/>
+                <a:moveTo>
+                  <a:pt x="133352" y="0"/>
+                </a:moveTo>
+                <a:lnTo>
+                  <a:pt x="1257300" y="0"/>
+                </a:lnTo>
+                <a:lnTo>
+                  <a:pt x="1257300" y="609598"/>
+                </a:lnTo>
+                <a:lnTo>
+                  <a:pt x="1123948" y="742950"/>
+                </a:lnTo>
+                <a:lnTo>
+                  <a:pt x="0" y="742950"/>
+                </a:lnTo>
+                <a:lnTo>
+                  <a:pt x="0" y="133352"/>
+                </a:lnTo>
+                <a:close/>
+              </a:path>
+            </a:pathLst>
+          </a:custGeom>
           <a:solidFill>
             <a:schemeClr val="bg1"/>
           </a:solidFill>
@@ -3445,7 +3805,9 @@
           </a:fontRef>
         </p:style>
         <p:txBody>
-          <a:bodyPr rtlCol="0" anchor="ctr"/>
+          <a:bodyPr wrap="square" rtlCol="0" anchor="ctr">
+            <a:noAutofit/>
+          </a:bodyPr>
           <a:lstStyle/>
           <a:p>
             <a:pPr algn="ctr"/>
@@ -3521,7 +3883,7 @@
         </p:nvSpPr>
         <p:spPr>
           <a:xfrm rot="16200000">
-            <a:off x="4277488" y="2563547"/>
+            <a:off x="4352077" y="3753730"/>
             <a:ext cx="561188" cy="454555"/>
           </a:xfrm>
           <a:custGeom>
@@ -3598,184 +3960,6 @@
                 </a:lnTo>
                 <a:lnTo>
                   <a:pt x="717946" y="219077"/>
-                </a:lnTo>
-                <a:close/>
-              </a:path>
-            </a:pathLst>
-          </a:custGeom>
-          <a:solidFill>
-            <a:schemeClr val="tx1"/>
-          </a:solidFill>
-          <a:ln>
-            <a:noFill/>
-          </a:ln>
-        </p:spPr>
-        <p:style>
-          <a:lnRef idx="2">
-            <a:schemeClr val="accent1">
-              <a:shade val="50000"/>
-            </a:schemeClr>
-          </a:lnRef>
-          <a:fillRef idx="1">
-            <a:schemeClr val="accent1"/>
-          </a:fillRef>
-          <a:effectRef idx="0">
-            <a:schemeClr val="accent1"/>
-          </a:effectRef>
-          <a:fontRef idx="minor">
-            <a:schemeClr val="lt1"/>
-          </a:fontRef>
-        </p:style>
-        <p:txBody>
-          <a:bodyPr wrap="square" rtlCol="0" anchor="ctr">
-            <a:noAutofit/>
-          </a:bodyPr>
-          <a:lstStyle/>
-          <a:p>
-            <a:pPr algn="ctr"/>
-            <a:endParaRPr lang="zh-CN" altLang="en-US"/>
-          </a:p>
-        </p:txBody>
-      </p:sp>
-      <p:sp>
-        <p:nvSpPr>
-          <p:cNvPr id="12" name="任意多边形: 形状 11">
-            <a:extLst>
-              <a:ext uri="{FF2B5EF4-FFF2-40B4-BE49-F238E27FC236}">
-                <a16:creationId xmlns:a16="http://schemas.microsoft.com/office/drawing/2014/main" id="{EAB12C24-2833-4B45-A64C-AAB30DDC1029}"/>
-              </a:ext>
-            </a:extLst>
-          </p:cNvPr>
-          <p:cNvSpPr/>
-          <p:nvPr/>
-        </p:nvSpPr>
-        <p:spPr>
-          <a:xfrm>
-            <a:off x="4896656" y="2581275"/>
-            <a:ext cx="475273" cy="408262"/>
-          </a:xfrm>
-          <a:custGeom>
-            <a:avLst/>
-            <a:gdLst>
-              <a:gd name="connsiteX0" fmla="*/ 323606 w 475273"/>
-              <a:gd name="connsiteY0" fmla="*/ 0 h 408262"/>
-              <a:gd name="connsiteX1" fmla="*/ 424717 w 475273"/>
-              <a:gd name="connsiteY1" fmla="*/ 0 h 408262"/>
-              <a:gd name="connsiteX2" fmla="*/ 424717 w 475273"/>
-              <a:gd name="connsiteY2" fmla="*/ 240476 h 408262"/>
-              <a:gd name="connsiteX3" fmla="*/ 475273 w 475273"/>
-              <a:gd name="connsiteY3" fmla="*/ 240476 h 408262"/>
-              <a:gd name="connsiteX4" fmla="*/ 374162 w 475273"/>
-              <a:gd name="connsiteY4" fmla="*/ 408262 h 408262"/>
-              <a:gd name="connsiteX5" fmla="*/ 273050 w 475273"/>
-              <a:gd name="connsiteY5" fmla="*/ 240476 h 408262"/>
-              <a:gd name="connsiteX6" fmla="*/ 323606 w 475273"/>
-              <a:gd name="connsiteY6" fmla="*/ 240476 h 408262"/>
-              <a:gd name="connsiteX7" fmla="*/ 101111 w 475273"/>
-              <a:gd name="connsiteY7" fmla="*/ 0 h 408262"/>
-              <a:gd name="connsiteX8" fmla="*/ 202223 w 475273"/>
-              <a:gd name="connsiteY8" fmla="*/ 167786 h 408262"/>
-              <a:gd name="connsiteX9" fmla="*/ 151667 w 475273"/>
-              <a:gd name="connsiteY9" fmla="*/ 167786 h 408262"/>
-              <a:gd name="connsiteX10" fmla="*/ 151667 w 475273"/>
-              <a:gd name="connsiteY10" fmla="*/ 408262 h 408262"/>
-              <a:gd name="connsiteX11" fmla="*/ 50556 w 475273"/>
-              <a:gd name="connsiteY11" fmla="*/ 408262 h 408262"/>
-              <a:gd name="connsiteX12" fmla="*/ 50556 w 475273"/>
-              <a:gd name="connsiteY12" fmla="*/ 167786 h 408262"/>
-              <a:gd name="connsiteX13" fmla="*/ 0 w 475273"/>
-              <a:gd name="connsiteY13" fmla="*/ 167786 h 408262"/>
-            </a:gdLst>
-            <a:ahLst/>
-            <a:cxnLst>
-              <a:cxn ang="0">
-                <a:pos x="connsiteX0" y="connsiteY0"/>
-              </a:cxn>
-              <a:cxn ang="0">
-                <a:pos x="connsiteX1" y="connsiteY1"/>
-              </a:cxn>
-              <a:cxn ang="0">
-                <a:pos x="connsiteX2" y="connsiteY2"/>
-              </a:cxn>
-              <a:cxn ang="0">
-                <a:pos x="connsiteX3" y="connsiteY3"/>
-              </a:cxn>
-              <a:cxn ang="0">
-                <a:pos x="connsiteX4" y="connsiteY4"/>
-              </a:cxn>
-              <a:cxn ang="0">
-                <a:pos x="connsiteX5" y="connsiteY5"/>
-              </a:cxn>
-              <a:cxn ang="0">
-                <a:pos x="connsiteX6" y="connsiteY6"/>
-              </a:cxn>
-              <a:cxn ang="0">
-                <a:pos x="connsiteX7" y="connsiteY7"/>
-              </a:cxn>
-              <a:cxn ang="0">
-                <a:pos x="connsiteX8" y="connsiteY8"/>
-              </a:cxn>
-              <a:cxn ang="0">
-                <a:pos x="connsiteX9" y="connsiteY9"/>
-              </a:cxn>
-              <a:cxn ang="0">
-                <a:pos x="connsiteX10" y="connsiteY10"/>
-              </a:cxn>
-              <a:cxn ang="0">
-                <a:pos x="connsiteX11" y="connsiteY11"/>
-              </a:cxn>
-              <a:cxn ang="0">
-                <a:pos x="connsiteX12" y="connsiteY12"/>
-              </a:cxn>
-              <a:cxn ang="0">
-                <a:pos x="connsiteX13" y="connsiteY13"/>
-              </a:cxn>
-            </a:cxnLst>
-            <a:rect l="l" t="t" r="r" b="b"/>
-            <a:pathLst>
-              <a:path w="475273" h="408262">
-                <a:moveTo>
-                  <a:pt x="323606" y="0"/>
-                </a:moveTo>
-                <a:lnTo>
-                  <a:pt x="424717" y="0"/>
-                </a:lnTo>
-                <a:lnTo>
-                  <a:pt x="424717" y="240476"/>
-                </a:lnTo>
-                <a:lnTo>
-                  <a:pt x="475273" y="240476"/>
-                </a:lnTo>
-                <a:lnTo>
-                  <a:pt x="374162" y="408262"/>
-                </a:lnTo>
-                <a:lnTo>
-                  <a:pt x="273050" y="240476"/>
-                </a:lnTo>
-                <a:lnTo>
-                  <a:pt x="323606" y="240476"/>
-                </a:lnTo>
-                <a:close/>
-                <a:moveTo>
-                  <a:pt x="101111" y="0"/>
-                </a:moveTo>
-                <a:lnTo>
-                  <a:pt x="202223" y="167786"/>
-                </a:lnTo>
-                <a:lnTo>
-                  <a:pt x="151667" y="167786"/>
-                </a:lnTo>
-                <a:lnTo>
-                  <a:pt x="151667" y="408262"/>
-                </a:lnTo>
-                <a:lnTo>
-                  <a:pt x="50556" y="408262"/>
-                </a:lnTo>
-                <a:lnTo>
-                  <a:pt x="50556" y="167786"/>
-                </a:lnTo>
-                <a:lnTo>
-                  <a:pt x="0" y="167786"/>
                 </a:lnTo>
                 <a:close/>
               </a:path>
@@ -4029,394 +4213,6 @@
           </a:p>
         </p:txBody>
       </p:sp>
-      <p:grpSp>
-        <p:nvGrpSpPr>
-          <p:cNvPr id="8" name="组合 7">
-            <a:extLst>
-              <a:ext uri="{FF2B5EF4-FFF2-40B4-BE49-F238E27FC236}">
-                <a16:creationId xmlns:a16="http://schemas.microsoft.com/office/drawing/2014/main" id="{11267038-25EF-4CA7-974F-BF0C3C37EE02}"/>
-              </a:ext>
-            </a:extLst>
-          </p:cNvPr>
-          <p:cNvGrpSpPr/>
-          <p:nvPr/>
-        </p:nvGrpSpPr>
-        <p:grpSpPr>
-          <a:xfrm>
-            <a:off x="785199" y="4289734"/>
-            <a:ext cx="1572851" cy="929412"/>
-            <a:chOff x="472108" y="2811363"/>
-            <a:chExt cx="1257300" cy="742950"/>
-          </a:xfrm>
-        </p:grpSpPr>
-        <p:sp>
-          <p:nvSpPr>
-            <p:cNvPr id="14" name="矩形: 剪去对角 13">
-              <a:extLst>
-                <a:ext uri="{FF2B5EF4-FFF2-40B4-BE49-F238E27FC236}">
-                  <a16:creationId xmlns:a16="http://schemas.microsoft.com/office/drawing/2014/main" id="{B34A0478-AF57-4B85-8FA2-AAA854024AD4}"/>
-                </a:ext>
-              </a:extLst>
-            </p:cNvPr>
-            <p:cNvSpPr/>
-            <p:nvPr/>
-          </p:nvSpPr>
-          <p:spPr>
-            <a:xfrm>
-              <a:off x="472108" y="2811363"/>
-              <a:ext cx="1257300" cy="742950"/>
-            </a:xfrm>
-            <a:prstGeom prst="snip2DiagRect">
-              <a:avLst>
-                <a:gd name="adj1" fmla="val 17949"/>
-                <a:gd name="adj2" fmla="val 0"/>
-              </a:avLst>
-            </a:prstGeom>
-            <a:solidFill>
-              <a:schemeClr val="bg1"/>
-            </a:solidFill>
-            <a:ln>
-              <a:noFill/>
-            </a:ln>
-          </p:spPr>
-          <p:style>
-            <a:lnRef idx="2">
-              <a:schemeClr val="accent1">
-                <a:shade val="50000"/>
-              </a:schemeClr>
-            </a:lnRef>
-            <a:fillRef idx="1">
-              <a:schemeClr val="accent1"/>
-            </a:fillRef>
-            <a:effectRef idx="0">
-              <a:schemeClr val="accent1"/>
-            </a:effectRef>
-            <a:fontRef idx="minor">
-              <a:schemeClr val="lt1"/>
-            </a:fontRef>
-          </p:style>
-          <p:txBody>
-            <a:bodyPr rtlCol="0" anchor="ctr"/>
-            <a:lstStyle/>
-            <a:p>
-              <a:pPr algn="ctr"/>
-              <a:endParaRPr lang="zh-CN" altLang="en-US">
-                <a:solidFill>
-                  <a:schemeClr val="bg1"/>
-                </a:solidFill>
-              </a:endParaRPr>
-            </a:p>
-          </p:txBody>
-        </p:sp>
-        <p:sp>
-          <p:nvSpPr>
-            <p:cNvPr id="19" name="任意多边形: 形状 18">
-              <a:extLst>
-                <a:ext uri="{FF2B5EF4-FFF2-40B4-BE49-F238E27FC236}">
-                  <a16:creationId xmlns:a16="http://schemas.microsoft.com/office/drawing/2014/main" id="{E31934F5-6169-41FC-9F87-B518419A2F1B}"/>
-                </a:ext>
-              </a:extLst>
-            </p:cNvPr>
-            <p:cNvSpPr/>
-            <p:nvPr/>
-          </p:nvSpPr>
-          <p:spPr>
-            <a:xfrm rot="16200000">
-              <a:off x="518298" y="2955560"/>
-              <a:ext cx="561188" cy="454555"/>
-            </a:xfrm>
-            <a:custGeom>
-              <a:avLst/>
-              <a:gdLst>
-                <a:gd name="connsiteX0" fmla="*/ 657225 w 914400"/>
-                <a:gd name="connsiteY0" fmla="*/ 1 h 533404"/>
-                <a:gd name="connsiteX1" fmla="*/ 657225 w 914400"/>
-                <a:gd name="connsiteY1" fmla="*/ 219076 h 533404"/>
-                <a:gd name="connsiteX2" fmla="*/ 276225 w 914400"/>
-                <a:gd name="connsiteY2" fmla="*/ 219075 h 533404"/>
-                <a:gd name="connsiteX3" fmla="*/ 276225 w 914400"/>
-                <a:gd name="connsiteY3" fmla="*/ 0 h 533404"/>
-                <a:gd name="connsiteX4" fmla="*/ 914400 w 914400"/>
-                <a:gd name="connsiteY4" fmla="*/ 533404 h 533404"/>
-                <a:gd name="connsiteX5" fmla="*/ 0 w 914400"/>
-                <a:gd name="connsiteY5" fmla="*/ 533404 h 533404"/>
-                <a:gd name="connsiteX6" fmla="*/ 196454 w 914400"/>
-                <a:gd name="connsiteY6" fmla="*/ 219077 h 533404"/>
-                <a:gd name="connsiteX7" fmla="*/ 717946 w 914400"/>
-                <a:gd name="connsiteY7" fmla="*/ 219077 h 533404"/>
-              </a:gdLst>
-              <a:ahLst/>
-              <a:cxnLst>
-                <a:cxn ang="0">
-                  <a:pos x="connsiteX0" y="connsiteY0"/>
-                </a:cxn>
-                <a:cxn ang="0">
-                  <a:pos x="connsiteX1" y="connsiteY1"/>
-                </a:cxn>
-                <a:cxn ang="0">
-                  <a:pos x="connsiteX2" y="connsiteY2"/>
-                </a:cxn>
-                <a:cxn ang="0">
-                  <a:pos x="connsiteX3" y="connsiteY3"/>
-                </a:cxn>
-                <a:cxn ang="0">
-                  <a:pos x="connsiteX4" y="connsiteY4"/>
-                </a:cxn>
-                <a:cxn ang="0">
-                  <a:pos x="connsiteX5" y="connsiteY5"/>
-                </a:cxn>
-                <a:cxn ang="0">
-                  <a:pos x="connsiteX6" y="connsiteY6"/>
-                </a:cxn>
-                <a:cxn ang="0">
-                  <a:pos x="connsiteX7" y="connsiteY7"/>
-                </a:cxn>
-              </a:cxnLst>
-              <a:rect l="l" t="t" r="r" b="b"/>
-              <a:pathLst>
-                <a:path w="914400" h="533404">
-                  <a:moveTo>
-                    <a:pt x="657225" y="1"/>
-                  </a:moveTo>
-                  <a:lnTo>
-                    <a:pt x="657225" y="219076"/>
-                  </a:lnTo>
-                  <a:lnTo>
-                    <a:pt x="276225" y="219075"/>
-                  </a:lnTo>
-                  <a:lnTo>
-                    <a:pt x="276225" y="0"/>
-                  </a:lnTo>
-                  <a:close/>
-                  <a:moveTo>
-                    <a:pt x="914400" y="533404"/>
-                  </a:moveTo>
-                  <a:lnTo>
-                    <a:pt x="0" y="533404"/>
-                  </a:lnTo>
-                  <a:lnTo>
-                    <a:pt x="196454" y="219077"/>
-                  </a:lnTo>
-                  <a:lnTo>
-                    <a:pt x="717946" y="219077"/>
-                  </a:lnTo>
-                  <a:close/>
-                </a:path>
-              </a:pathLst>
-            </a:custGeom>
-            <a:solidFill>
-              <a:srgbClr val="1C1C1C"/>
-            </a:solidFill>
-            <a:ln>
-              <a:noFill/>
-            </a:ln>
-          </p:spPr>
-          <p:style>
-            <a:lnRef idx="2">
-              <a:schemeClr val="accent1">
-                <a:shade val="50000"/>
-              </a:schemeClr>
-            </a:lnRef>
-            <a:fillRef idx="1">
-              <a:schemeClr val="accent1"/>
-            </a:fillRef>
-            <a:effectRef idx="0">
-              <a:schemeClr val="accent1"/>
-            </a:effectRef>
-            <a:fontRef idx="minor">
-              <a:schemeClr val="lt1"/>
-            </a:fontRef>
-          </p:style>
-          <p:txBody>
-            <a:bodyPr wrap="square" rtlCol="0" anchor="ctr">
-              <a:noAutofit/>
-            </a:bodyPr>
-            <a:lstStyle/>
-            <a:p>
-              <a:pPr algn="ctr"/>
-              <a:endParaRPr lang="zh-CN" altLang="en-US"/>
-            </a:p>
-          </p:txBody>
-        </p:sp>
-        <p:sp>
-          <p:nvSpPr>
-            <p:cNvPr id="20" name="任意多边形: 形状 19">
-              <a:extLst>
-                <a:ext uri="{FF2B5EF4-FFF2-40B4-BE49-F238E27FC236}">
-                  <a16:creationId xmlns:a16="http://schemas.microsoft.com/office/drawing/2014/main" id="{953620D3-FC5C-41BA-9B96-8B784C1AFF72}"/>
-                </a:ext>
-              </a:extLst>
-            </p:cNvPr>
-            <p:cNvSpPr/>
-            <p:nvPr/>
-          </p:nvSpPr>
-          <p:spPr>
-            <a:xfrm>
-              <a:off x="1137466" y="2973288"/>
-              <a:ext cx="475273" cy="408262"/>
-            </a:xfrm>
-            <a:custGeom>
-              <a:avLst/>
-              <a:gdLst>
-                <a:gd name="connsiteX0" fmla="*/ 323606 w 475273"/>
-                <a:gd name="connsiteY0" fmla="*/ 0 h 408262"/>
-                <a:gd name="connsiteX1" fmla="*/ 424717 w 475273"/>
-                <a:gd name="connsiteY1" fmla="*/ 0 h 408262"/>
-                <a:gd name="connsiteX2" fmla="*/ 424717 w 475273"/>
-                <a:gd name="connsiteY2" fmla="*/ 240476 h 408262"/>
-                <a:gd name="connsiteX3" fmla="*/ 475273 w 475273"/>
-                <a:gd name="connsiteY3" fmla="*/ 240476 h 408262"/>
-                <a:gd name="connsiteX4" fmla="*/ 374162 w 475273"/>
-                <a:gd name="connsiteY4" fmla="*/ 408262 h 408262"/>
-                <a:gd name="connsiteX5" fmla="*/ 273050 w 475273"/>
-                <a:gd name="connsiteY5" fmla="*/ 240476 h 408262"/>
-                <a:gd name="connsiteX6" fmla="*/ 323606 w 475273"/>
-                <a:gd name="connsiteY6" fmla="*/ 240476 h 408262"/>
-                <a:gd name="connsiteX7" fmla="*/ 101111 w 475273"/>
-                <a:gd name="connsiteY7" fmla="*/ 0 h 408262"/>
-                <a:gd name="connsiteX8" fmla="*/ 202223 w 475273"/>
-                <a:gd name="connsiteY8" fmla="*/ 167786 h 408262"/>
-                <a:gd name="connsiteX9" fmla="*/ 151667 w 475273"/>
-                <a:gd name="connsiteY9" fmla="*/ 167786 h 408262"/>
-                <a:gd name="connsiteX10" fmla="*/ 151667 w 475273"/>
-                <a:gd name="connsiteY10" fmla="*/ 408262 h 408262"/>
-                <a:gd name="connsiteX11" fmla="*/ 50556 w 475273"/>
-                <a:gd name="connsiteY11" fmla="*/ 408262 h 408262"/>
-                <a:gd name="connsiteX12" fmla="*/ 50556 w 475273"/>
-                <a:gd name="connsiteY12" fmla="*/ 167786 h 408262"/>
-                <a:gd name="connsiteX13" fmla="*/ 0 w 475273"/>
-                <a:gd name="connsiteY13" fmla="*/ 167786 h 408262"/>
-              </a:gdLst>
-              <a:ahLst/>
-              <a:cxnLst>
-                <a:cxn ang="0">
-                  <a:pos x="connsiteX0" y="connsiteY0"/>
-                </a:cxn>
-                <a:cxn ang="0">
-                  <a:pos x="connsiteX1" y="connsiteY1"/>
-                </a:cxn>
-                <a:cxn ang="0">
-                  <a:pos x="connsiteX2" y="connsiteY2"/>
-                </a:cxn>
-                <a:cxn ang="0">
-                  <a:pos x="connsiteX3" y="connsiteY3"/>
-                </a:cxn>
-                <a:cxn ang="0">
-                  <a:pos x="connsiteX4" y="connsiteY4"/>
-                </a:cxn>
-                <a:cxn ang="0">
-                  <a:pos x="connsiteX5" y="connsiteY5"/>
-                </a:cxn>
-                <a:cxn ang="0">
-                  <a:pos x="connsiteX6" y="connsiteY6"/>
-                </a:cxn>
-                <a:cxn ang="0">
-                  <a:pos x="connsiteX7" y="connsiteY7"/>
-                </a:cxn>
-                <a:cxn ang="0">
-                  <a:pos x="connsiteX8" y="connsiteY8"/>
-                </a:cxn>
-                <a:cxn ang="0">
-                  <a:pos x="connsiteX9" y="connsiteY9"/>
-                </a:cxn>
-                <a:cxn ang="0">
-                  <a:pos x="connsiteX10" y="connsiteY10"/>
-                </a:cxn>
-                <a:cxn ang="0">
-                  <a:pos x="connsiteX11" y="connsiteY11"/>
-                </a:cxn>
-                <a:cxn ang="0">
-                  <a:pos x="connsiteX12" y="connsiteY12"/>
-                </a:cxn>
-                <a:cxn ang="0">
-                  <a:pos x="connsiteX13" y="connsiteY13"/>
-                </a:cxn>
-              </a:cxnLst>
-              <a:rect l="l" t="t" r="r" b="b"/>
-              <a:pathLst>
-                <a:path w="475273" h="408262">
-                  <a:moveTo>
-                    <a:pt x="323606" y="0"/>
-                  </a:moveTo>
-                  <a:lnTo>
-                    <a:pt x="424717" y="0"/>
-                  </a:lnTo>
-                  <a:lnTo>
-                    <a:pt x="424717" y="240476"/>
-                  </a:lnTo>
-                  <a:lnTo>
-                    <a:pt x="475273" y="240476"/>
-                  </a:lnTo>
-                  <a:lnTo>
-                    <a:pt x="374162" y="408262"/>
-                  </a:lnTo>
-                  <a:lnTo>
-                    <a:pt x="273050" y="240476"/>
-                  </a:lnTo>
-                  <a:lnTo>
-                    <a:pt x="323606" y="240476"/>
-                  </a:lnTo>
-                  <a:close/>
-                  <a:moveTo>
-                    <a:pt x="101111" y="0"/>
-                  </a:moveTo>
-                  <a:lnTo>
-                    <a:pt x="202223" y="167786"/>
-                  </a:lnTo>
-                  <a:lnTo>
-                    <a:pt x="151667" y="167786"/>
-                  </a:lnTo>
-                  <a:lnTo>
-                    <a:pt x="151667" y="408262"/>
-                  </a:lnTo>
-                  <a:lnTo>
-                    <a:pt x="50556" y="408262"/>
-                  </a:lnTo>
-                  <a:lnTo>
-                    <a:pt x="50556" y="167786"/>
-                  </a:lnTo>
-                  <a:lnTo>
-                    <a:pt x="0" y="167786"/>
-                  </a:lnTo>
-                  <a:close/>
-                </a:path>
-              </a:pathLst>
-            </a:custGeom>
-            <a:solidFill>
-              <a:srgbClr val="1C1C1C"/>
-            </a:solidFill>
-            <a:ln>
-              <a:noFill/>
-            </a:ln>
-          </p:spPr>
-          <p:style>
-            <a:lnRef idx="2">
-              <a:schemeClr val="accent1">
-                <a:shade val="50000"/>
-              </a:schemeClr>
-            </a:lnRef>
-            <a:fillRef idx="1">
-              <a:schemeClr val="accent1"/>
-            </a:fillRef>
-            <a:effectRef idx="0">
-              <a:schemeClr val="accent1"/>
-            </a:effectRef>
-            <a:fontRef idx="minor">
-              <a:schemeClr val="lt1"/>
-            </a:fontRef>
-          </p:style>
-          <p:txBody>
-            <a:bodyPr wrap="square" rtlCol="0" anchor="ctr">
-              <a:noAutofit/>
-            </a:bodyPr>
-            <a:lstStyle/>
-            <a:p>
-              <a:pPr algn="ctr"/>
-              <a:endParaRPr lang="zh-CN" altLang="en-US"/>
-            </a:p>
-          </p:txBody>
-        </p:sp>
-      </p:grpSp>
       <p:pic>
         <p:nvPicPr>
           <p:cNvPr id="13" name="图片 12">
@@ -4439,7 +4235,536 @@
         </p:blipFill>
         <p:spPr>
           <a:xfrm>
-            <a:off x="5212003" y="2545003"/>
+            <a:off x="6012103" y="4221459"/>
+            <a:ext cx="1767993" cy="1767993"/>
+          </a:xfrm>
+          <a:prstGeom prst="rect">
+            <a:avLst/>
+          </a:prstGeom>
+        </p:spPr>
+      </p:pic>
+      <p:pic>
+        <p:nvPicPr>
+          <p:cNvPr id="34" name="图片 33">
+            <a:extLst>
+              <a:ext uri="{FF2B5EF4-FFF2-40B4-BE49-F238E27FC236}">
+                <a16:creationId xmlns:a16="http://schemas.microsoft.com/office/drawing/2014/main" id="{86D335F4-C587-44D1-A2C6-023A39FE1993}"/>
+              </a:ext>
+            </a:extLst>
+          </p:cNvPr>
+          <p:cNvPicPr>
+            <a:picLocks noChangeAspect="1"/>
+          </p:cNvPicPr>
+          <p:nvPr/>
+        </p:nvPicPr>
+        <p:blipFill rotWithShape="1">
+          <a:blip r:embed="rId7"/>
+          <a:srcRect t="19010" b="11749"/>
+          <a:stretch/>
+        </p:blipFill>
+        <p:spPr>
+          <a:xfrm>
+            <a:off x="3241243" y="5800725"/>
+            <a:ext cx="6279424" cy="742950"/>
+          </a:xfrm>
+          <a:prstGeom prst="rect">
+            <a:avLst/>
+          </a:prstGeom>
+        </p:spPr>
+      </p:pic>
+      <p:pic>
+        <p:nvPicPr>
+          <p:cNvPr id="35" name="图片 34">
+            <a:extLst>
+              <a:ext uri="{FF2B5EF4-FFF2-40B4-BE49-F238E27FC236}">
+                <a16:creationId xmlns:a16="http://schemas.microsoft.com/office/drawing/2014/main" id="{3DAA1995-22C9-46FE-B90C-DB6796D73B9B}"/>
+              </a:ext>
+            </a:extLst>
+          </p:cNvPr>
+          <p:cNvPicPr>
+            <a:picLocks noChangeAspect="1"/>
+          </p:cNvPicPr>
+          <p:nvPr/>
+        </p:nvPicPr>
+        <p:blipFill>
+          <a:blip r:embed="rId8"/>
+          <a:stretch>
+            <a:fillRect/>
+          </a:stretch>
+        </p:blipFill>
+        <p:spPr>
+          <a:xfrm>
+            <a:off x="2956288" y="3060160"/>
+            <a:ext cx="6279424" cy="737680"/>
+          </a:xfrm>
+          <a:prstGeom prst="rect">
+            <a:avLst/>
+          </a:prstGeom>
+        </p:spPr>
+      </p:pic>
+      <p:sp>
+        <p:nvSpPr>
+          <p:cNvPr id="36" name="任意多边形: 形状 35">
+            <a:extLst>
+              <a:ext uri="{FF2B5EF4-FFF2-40B4-BE49-F238E27FC236}">
+                <a16:creationId xmlns:a16="http://schemas.microsoft.com/office/drawing/2014/main" id="{E99B2539-DE77-44DC-A685-40037872BCB4}"/>
+              </a:ext>
+            </a:extLst>
+          </p:cNvPr>
+          <p:cNvSpPr/>
+          <p:nvPr/>
+        </p:nvSpPr>
+        <p:spPr>
+          <a:xfrm>
+            <a:off x="786625" y="4290576"/>
+            <a:ext cx="1570000" cy="927727"/>
+          </a:xfrm>
+          <a:custGeom>
+            <a:avLst/>
+            <a:gdLst>
+              <a:gd name="connsiteX0" fmla="*/ 988964 w 1257300"/>
+              <a:gd name="connsiteY0" fmla="*/ 161925 h 742950"/>
+              <a:gd name="connsiteX1" fmla="*/ 988964 w 1257300"/>
+              <a:gd name="connsiteY1" fmla="*/ 402401 h 742950"/>
+              <a:gd name="connsiteX2" fmla="*/ 938408 w 1257300"/>
+              <a:gd name="connsiteY2" fmla="*/ 402401 h 742950"/>
+              <a:gd name="connsiteX3" fmla="*/ 1039520 w 1257300"/>
+              <a:gd name="connsiteY3" fmla="*/ 570187 h 742950"/>
+              <a:gd name="connsiteX4" fmla="*/ 1140631 w 1257300"/>
+              <a:gd name="connsiteY4" fmla="*/ 402401 h 742950"/>
+              <a:gd name="connsiteX5" fmla="*/ 1090075 w 1257300"/>
+              <a:gd name="connsiteY5" fmla="*/ 402401 h 742950"/>
+              <a:gd name="connsiteX6" fmla="*/ 1090075 w 1257300"/>
+              <a:gd name="connsiteY6" fmla="*/ 161925 h 742950"/>
+              <a:gd name="connsiteX7" fmla="*/ 766469 w 1257300"/>
+              <a:gd name="connsiteY7" fmla="*/ 161925 h 742950"/>
+              <a:gd name="connsiteX8" fmla="*/ 665358 w 1257300"/>
+              <a:gd name="connsiteY8" fmla="*/ 329711 h 742950"/>
+              <a:gd name="connsiteX9" fmla="*/ 715914 w 1257300"/>
+              <a:gd name="connsiteY9" fmla="*/ 329711 h 742950"/>
+              <a:gd name="connsiteX10" fmla="*/ 715914 w 1257300"/>
+              <a:gd name="connsiteY10" fmla="*/ 570187 h 742950"/>
+              <a:gd name="connsiteX11" fmla="*/ 817025 w 1257300"/>
+              <a:gd name="connsiteY11" fmla="*/ 570187 h 742950"/>
+              <a:gd name="connsiteX12" fmla="*/ 817025 w 1257300"/>
+              <a:gd name="connsiteY12" fmla="*/ 329711 h 742950"/>
+              <a:gd name="connsiteX13" fmla="*/ 867581 w 1257300"/>
+              <a:gd name="connsiteY13" fmla="*/ 329711 h 742950"/>
+              <a:gd name="connsiteX14" fmla="*/ 359340 w 1257300"/>
+              <a:gd name="connsiteY14" fmla="*/ 149426 h 742950"/>
+              <a:gd name="connsiteX15" fmla="*/ 196625 w 1257300"/>
+              <a:gd name="connsiteY15" fmla="*/ 271541 h 742950"/>
+              <a:gd name="connsiteX16" fmla="*/ 173519 w 1257300"/>
+              <a:gd name="connsiteY16" fmla="*/ 349475 h 742950"/>
+              <a:gd name="connsiteX17" fmla="*/ 134262 w 1257300"/>
+              <a:gd name="connsiteY17" fmla="*/ 357373 h 742950"/>
+              <a:gd name="connsiteX18" fmla="*/ 66493 w 1257300"/>
+              <a:gd name="connsiteY18" fmla="*/ 458870 h 742950"/>
+              <a:gd name="connsiteX19" fmla="*/ 133178 w 1257300"/>
+              <a:gd name="connsiteY19" fmla="*/ 561082 h 742950"/>
+              <a:gd name="connsiteX20" fmla="*/ 169146 w 1257300"/>
+              <a:gd name="connsiteY20" fmla="*/ 568717 h 742950"/>
+              <a:gd name="connsiteX21" fmla="*/ 169146 w 1257300"/>
+              <a:gd name="connsiteY21" fmla="*/ 570187 h 742950"/>
+              <a:gd name="connsiteX22" fmla="*/ 243290 w 1257300"/>
+              <a:gd name="connsiteY22" fmla="*/ 570187 h 742950"/>
+              <a:gd name="connsiteX23" fmla="*/ 243290 w 1257300"/>
+              <a:gd name="connsiteY23" fmla="*/ 401830 h 742950"/>
+              <a:gd name="connsiteX24" fmla="*/ 245085 w 1257300"/>
+              <a:gd name="connsiteY24" fmla="*/ 401830 h 742950"/>
+              <a:gd name="connsiteX25" fmla="*/ 359932 w 1257300"/>
+              <a:gd name="connsiteY25" fmla="*/ 249418 h 742950"/>
+              <a:gd name="connsiteX26" fmla="*/ 476573 w 1257300"/>
+              <a:gd name="connsiteY26" fmla="*/ 399450 h 742950"/>
+              <a:gd name="connsiteX27" fmla="*/ 478383 w 1257300"/>
+              <a:gd name="connsiteY27" fmla="*/ 399413 h 742950"/>
+              <a:gd name="connsiteX28" fmla="*/ 478383 w 1257300"/>
+              <a:gd name="connsiteY28" fmla="*/ 570187 h 742950"/>
+              <a:gd name="connsiteX29" fmla="*/ 547765 w 1257300"/>
+              <a:gd name="connsiteY29" fmla="*/ 570187 h 742950"/>
+              <a:gd name="connsiteX30" fmla="*/ 552527 w 1257300"/>
+              <a:gd name="connsiteY30" fmla="*/ 570187 h 742950"/>
+              <a:gd name="connsiteX31" fmla="*/ 552527 w 1257300"/>
+              <a:gd name="connsiteY31" fmla="*/ 569229 h 742950"/>
+              <a:gd name="connsiteX32" fmla="*/ 590722 w 1257300"/>
+              <a:gd name="connsiteY32" fmla="*/ 561545 h 742950"/>
+              <a:gd name="connsiteX33" fmla="*/ 658491 w 1257300"/>
+              <a:gd name="connsiteY33" fmla="*/ 460048 h 742950"/>
+              <a:gd name="connsiteX34" fmla="*/ 548943 w 1257300"/>
+              <a:gd name="connsiteY34" fmla="*/ 348737 h 742950"/>
+              <a:gd name="connsiteX35" fmla="*/ 548860 w 1257300"/>
+              <a:gd name="connsiteY35" fmla="*/ 356554 h 742950"/>
+              <a:gd name="connsiteX36" fmla="*/ 548050 w 1257300"/>
+              <a:gd name="connsiteY36" fmla="*/ 347370 h 742950"/>
+              <a:gd name="connsiteX37" fmla="*/ 359340 w 1257300"/>
+              <a:gd name="connsiteY37" fmla="*/ 149426 h 742950"/>
+              <a:gd name="connsiteX38" fmla="*/ 133352 w 1257300"/>
+              <a:gd name="connsiteY38" fmla="*/ 0 h 742950"/>
+              <a:gd name="connsiteX39" fmla="*/ 1257300 w 1257300"/>
+              <a:gd name="connsiteY39" fmla="*/ 0 h 742950"/>
+              <a:gd name="connsiteX40" fmla="*/ 1257300 w 1257300"/>
+              <a:gd name="connsiteY40" fmla="*/ 609598 h 742950"/>
+              <a:gd name="connsiteX41" fmla="*/ 1123948 w 1257300"/>
+              <a:gd name="connsiteY41" fmla="*/ 742950 h 742950"/>
+              <a:gd name="connsiteX42" fmla="*/ 0 w 1257300"/>
+              <a:gd name="connsiteY42" fmla="*/ 742950 h 742950"/>
+              <a:gd name="connsiteX43" fmla="*/ 0 w 1257300"/>
+              <a:gd name="connsiteY43" fmla="*/ 133352 h 742950"/>
+            </a:gdLst>
+            <a:ahLst/>
+            <a:cxnLst>
+              <a:cxn ang="0">
+                <a:pos x="connsiteX0" y="connsiteY0"/>
+              </a:cxn>
+              <a:cxn ang="0">
+                <a:pos x="connsiteX1" y="connsiteY1"/>
+              </a:cxn>
+              <a:cxn ang="0">
+                <a:pos x="connsiteX2" y="connsiteY2"/>
+              </a:cxn>
+              <a:cxn ang="0">
+                <a:pos x="connsiteX3" y="connsiteY3"/>
+              </a:cxn>
+              <a:cxn ang="0">
+                <a:pos x="connsiteX4" y="connsiteY4"/>
+              </a:cxn>
+              <a:cxn ang="0">
+                <a:pos x="connsiteX5" y="connsiteY5"/>
+              </a:cxn>
+              <a:cxn ang="0">
+                <a:pos x="connsiteX6" y="connsiteY6"/>
+              </a:cxn>
+              <a:cxn ang="0">
+                <a:pos x="connsiteX7" y="connsiteY7"/>
+              </a:cxn>
+              <a:cxn ang="0">
+                <a:pos x="connsiteX8" y="connsiteY8"/>
+              </a:cxn>
+              <a:cxn ang="0">
+                <a:pos x="connsiteX9" y="connsiteY9"/>
+              </a:cxn>
+              <a:cxn ang="0">
+                <a:pos x="connsiteX10" y="connsiteY10"/>
+              </a:cxn>
+              <a:cxn ang="0">
+                <a:pos x="connsiteX11" y="connsiteY11"/>
+              </a:cxn>
+              <a:cxn ang="0">
+                <a:pos x="connsiteX12" y="connsiteY12"/>
+              </a:cxn>
+              <a:cxn ang="0">
+                <a:pos x="connsiteX13" y="connsiteY13"/>
+              </a:cxn>
+              <a:cxn ang="0">
+                <a:pos x="connsiteX14" y="connsiteY14"/>
+              </a:cxn>
+              <a:cxn ang="0">
+                <a:pos x="connsiteX15" y="connsiteY15"/>
+              </a:cxn>
+              <a:cxn ang="0">
+                <a:pos x="connsiteX16" y="connsiteY16"/>
+              </a:cxn>
+              <a:cxn ang="0">
+                <a:pos x="connsiteX17" y="connsiteY17"/>
+              </a:cxn>
+              <a:cxn ang="0">
+                <a:pos x="connsiteX18" y="connsiteY18"/>
+              </a:cxn>
+              <a:cxn ang="0">
+                <a:pos x="connsiteX19" y="connsiteY19"/>
+              </a:cxn>
+              <a:cxn ang="0">
+                <a:pos x="connsiteX20" y="connsiteY20"/>
+              </a:cxn>
+              <a:cxn ang="0">
+                <a:pos x="connsiteX21" y="connsiteY21"/>
+              </a:cxn>
+              <a:cxn ang="0">
+                <a:pos x="connsiteX22" y="connsiteY22"/>
+              </a:cxn>
+              <a:cxn ang="0">
+                <a:pos x="connsiteX23" y="connsiteY23"/>
+              </a:cxn>
+              <a:cxn ang="0">
+                <a:pos x="connsiteX24" y="connsiteY24"/>
+              </a:cxn>
+              <a:cxn ang="0">
+                <a:pos x="connsiteX25" y="connsiteY25"/>
+              </a:cxn>
+              <a:cxn ang="0">
+                <a:pos x="connsiteX26" y="connsiteY26"/>
+              </a:cxn>
+              <a:cxn ang="0">
+                <a:pos x="connsiteX27" y="connsiteY27"/>
+              </a:cxn>
+              <a:cxn ang="0">
+                <a:pos x="connsiteX28" y="connsiteY28"/>
+              </a:cxn>
+              <a:cxn ang="0">
+                <a:pos x="connsiteX29" y="connsiteY29"/>
+              </a:cxn>
+              <a:cxn ang="0">
+                <a:pos x="connsiteX30" y="connsiteY30"/>
+              </a:cxn>
+              <a:cxn ang="0">
+                <a:pos x="connsiteX31" y="connsiteY31"/>
+              </a:cxn>
+              <a:cxn ang="0">
+                <a:pos x="connsiteX32" y="connsiteY32"/>
+              </a:cxn>
+              <a:cxn ang="0">
+                <a:pos x="connsiteX33" y="connsiteY33"/>
+              </a:cxn>
+              <a:cxn ang="0">
+                <a:pos x="connsiteX34" y="connsiteY34"/>
+              </a:cxn>
+              <a:cxn ang="0">
+                <a:pos x="connsiteX35" y="connsiteY35"/>
+              </a:cxn>
+              <a:cxn ang="0">
+                <a:pos x="connsiteX36" y="connsiteY36"/>
+              </a:cxn>
+              <a:cxn ang="0">
+                <a:pos x="connsiteX37" y="connsiteY37"/>
+              </a:cxn>
+              <a:cxn ang="0">
+                <a:pos x="connsiteX38" y="connsiteY38"/>
+              </a:cxn>
+              <a:cxn ang="0">
+                <a:pos x="connsiteX39" y="connsiteY39"/>
+              </a:cxn>
+              <a:cxn ang="0">
+                <a:pos x="connsiteX40" y="connsiteY40"/>
+              </a:cxn>
+              <a:cxn ang="0">
+                <a:pos x="connsiteX41" y="connsiteY41"/>
+              </a:cxn>
+              <a:cxn ang="0">
+                <a:pos x="connsiteX42" y="connsiteY42"/>
+              </a:cxn>
+              <a:cxn ang="0">
+                <a:pos x="connsiteX43" y="connsiteY43"/>
+              </a:cxn>
+            </a:cxnLst>
+            <a:rect l="l" t="t" r="r" b="b"/>
+            <a:pathLst>
+              <a:path w="1257300" h="742950">
+                <a:moveTo>
+                  <a:pt x="988964" y="161925"/>
+                </a:moveTo>
+                <a:lnTo>
+                  <a:pt x="988964" y="402401"/>
+                </a:lnTo>
+                <a:lnTo>
+                  <a:pt x="938408" y="402401"/>
+                </a:lnTo>
+                <a:lnTo>
+                  <a:pt x="1039520" y="570187"/>
+                </a:lnTo>
+                <a:lnTo>
+                  <a:pt x="1140631" y="402401"/>
+                </a:lnTo>
+                <a:lnTo>
+                  <a:pt x="1090075" y="402401"/>
+                </a:lnTo>
+                <a:lnTo>
+                  <a:pt x="1090075" y="161925"/>
+                </a:lnTo>
+                <a:close/>
+                <a:moveTo>
+                  <a:pt x="766469" y="161925"/>
+                </a:moveTo>
+                <a:lnTo>
+                  <a:pt x="665358" y="329711"/>
+                </a:lnTo>
+                <a:lnTo>
+                  <a:pt x="715914" y="329711"/>
+                </a:lnTo>
+                <a:lnTo>
+                  <a:pt x="715914" y="570187"/>
+                </a:lnTo>
+                <a:lnTo>
+                  <a:pt x="817025" y="570187"/>
+                </a:lnTo>
+                <a:lnTo>
+                  <a:pt x="817025" y="329711"/>
+                </a:lnTo>
+                <a:lnTo>
+                  <a:pt x="867581" y="329711"/>
+                </a:lnTo>
+                <a:close/>
+                <a:moveTo>
+                  <a:pt x="359340" y="149426"/>
+                </a:moveTo>
+                <a:cubicBezTo>
+                  <a:pt x="290249" y="150136"/>
+                  <a:pt x="229931" y="198911"/>
+                  <a:pt x="196625" y="271541"/>
+                </a:cubicBezTo>
+                <a:lnTo>
+                  <a:pt x="173519" y="349475"/>
+                </a:lnTo>
+                <a:lnTo>
+                  <a:pt x="134262" y="357373"/>
+                </a:lnTo>
+                <a:cubicBezTo>
+                  <a:pt x="94629" y="374071"/>
+                  <a:pt x="66736" y="413178"/>
+                  <a:pt x="66493" y="458870"/>
+                </a:cubicBezTo>
+                <a:cubicBezTo>
+                  <a:pt x="66250" y="504562"/>
+                  <a:pt x="93725" y="543964"/>
+                  <a:pt x="133178" y="561082"/>
+                </a:cubicBezTo>
+                <a:lnTo>
+                  <a:pt x="169146" y="568717"/>
+                </a:lnTo>
+                <a:lnTo>
+                  <a:pt x="169146" y="570187"/>
+                </a:lnTo>
+                <a:lnTo>
+                  <a:pt x="243290" y="570187"/>
+                </a:lnTo>
+                <a:lnTo>
+                  <a:pt x="243290" y="401830"/>
+                </a:lnTo>
+                <a:lnTo>
+                  <a:pt x="245085" y="401830"/>
+                </a:lnTo>
+                <a:cubicBezTo>
+                  <a:pt x="245085" y="318117"/>
+                  <a:pt x="296359" y="250072"/>
+                  <a:pt x="359932" y="249418"/>
+                </a:cubicBezTo>
+                <a:cubicBezTo>
+                  <a:pt x="423505" y="248764"/>
+                  <a:pt x="475580" y="315747"/>
+                  <a:pt x="476573" y="399450"/>
+                </a:cubicBezTo>
+                <a:lnTo>
+                  <a:pt x="478383" y="399413"/>
+                </a:lnTo>
+                <a:lnTo>
+                  <a:pt x="478383" y="570187"/>
+                </a:lnTo>
+                <a:lnTo>
+                  <a:pt x="547765" y="570187"/>
+                </a:lnTo>
+                <a:lnTo>
+                  <a:pt x="552527" y="570187"/>
+                </a:lnTo>
+                <a:lnTo>
+                  <a:pt x="552527" y="569229"/>
+                </a:lnTo>
+                <a:lnTo>
+                  <a:pt x="590722" y="561545"/>
+                </a:lnTo>
+                <a:cubicBezTo>
+                  <a:pt x="630355" y="544847"/>
+                  <a:pt x="658248" y="505740"/>
+                  <a:pt x="658491" y="460048"/>
+                </a:cubicBezTo>
+                <a:cubicBezTo>
+                  <a:pt x="658815" y="399125"/>
+                  <a:pt x="609863" y="349385"/>
+                  <a:pt x="548943" y="348737"/>
+                </a:cubicBezTo>
+                <a:lnTo>
+                  <a:pt x="548860" y="356554"/>
+                </a:lnTo>
+                <a:lnTo>
+                  <a:pt x="548050" y="347370"/>
+                </a:lnTo>
+                <a:cubicBezTo>
+                  <a:pt x="529003" y="233289"/>
+                  <a:pt x="451460" y="148478"/>
+                  <a:pt x="359340" y="149426"/>
+                </a:cubicBezTo>
+                <a:close/>
+                <a:moveTo>
+                  <a:pt x="133352" y="0"/>
+                </a:moveTo>
+                <a:lnTo>
+                  <a:pt x="1257300" y="0"/>
+                </a:lnTo>
+                <a:lnTo>
+                  <a:pt x="1257300" y="609598"/>
+                </a:lnTo>
+                <a:lnTo>
+                  <a:pt x="1123948" y="742950"/>
+                </a:lnTo>
+                <a:lnTo>
+                  <a:pt x="0" y="742950"/>
+                </a:lnTo>
+                <a:lnTo>
+                  <a:pt x="0" y="133352"/>
+                </a:lnTo>
+                <a:close/>
+              </a:path>
+            </a:pathLst>
+          </a:custGeom>
+          <a:solidFill>
+            <a:schemeClr val="bg1"/>
+          </a:solidFill>
+          <a:ln>
+            <a:noFill/>
+          </a:ln>
+        </p:spPr>
+        <p:style>
+          <a:lnRef idx="2">
+            <a:schemeClr val="accent1">
+              <a:shade val="50000"/>
+            </a:schemeClr>
+          </a:lnRef>
+          <a:fillRef idx="1">
+            <a:schemeClr val="accent1"/>
+          </a:fillRef>
+          <a:effectRef idx="0">
+            <a:schemeClr val="accent1"/>
+          </a:effectRef>
+          <a:fontRef idx="minor">
+            <a:schemeClr val="lt1"/>
+          </a:fontRef>
+        </p:style>
+        <p:txBody>
+          <a:bodyPr wrap="square" rtlCol="0" anchor="ctr">
+            <a:noAutofit/>
+          </a:bodyPr>
+          <a:lstStyle/>
+          <a:p>
+            <a:pPr algn="ctr"/>
+            <a:endParaRPr lang="zh-CN" altLang="en-US">
+              <a:solidFill>
+                <a:schemeClr val="bg1"/>
+              </a:solidFill>
+            </a:endParaRPr>
+          </a:p>
+        </p:txBody>
+      </p:sp>
+      <p:pic>
+        <p:nvPicPr>
+          <p:cNvPr id="37" name="图片 36">
+            <a:extLst>
+              <a:ext uri="{FF2B5EF4-FFF2-40B4-BE49-F238E27FC236}">
+                <a16:creationId xmlns:a16="http://schemas.microsoft.com/office/drawing/2014/main" id="{B6168048-072A-4F1B-B611-C31BC7FC2AEE}"/>
+              </a:ext>
+            </a:extLst>
+          </p:cNvPr>
+          <p:cNvPicPr>
+            <a:picLocks noChangeAspect="1"/>
+          </p:cNvPicPr>
+          <p:nvPr/>
+        </p:nvPicPr>
+        <p:blipFill>
+          <a:blip r:embed="rId9"/>
+          <a:stretch>
+            <a:fillRect/>
+          </a:stretch>
+        </p:blipFill>
+        <p:spPr>
+          <a:xfrm>
+            <a:off x="3668033" y="3377605"/>
             <a:ext cx="1767993" cy="1767993"/>
           </a:xfrm>
           <a:prstGeom prst="rect">
